--- a/Presentation.pptx
+++ b/Presentation.pptx
@@ -2,7 +2,7 @@
 <file path=ppt/presentation.xml><?xml version="1.0" encoding="utf-8"?>
 <p:presentation xmlns:a="http://schemas.openxmlformats.org/drawingml/2006/main" xmlns:r="http://schemas.openxmlformats.org/officeDocument/2006/relationships" xmlns:p="http://schemas.openxmlformats.org/presentationml/2006/main" saveSubsetFonts="1" autoCompressPictures="0">
   <p:sldMasterIdLst>
-    <p:sldMasterId id="2147483660" r:id="rId1"/>
+    <p:sldMasterId id="2147483678" r:id="rId1"/>
   </p:sldMasterIdLst>
   <p:sldIdLst>
     <p:sldId id="256" r:id="rId2"/>
@@ -104,6 +104,11 @@
       </a:defRPr>
     </a:lvl9pPr>
   </p:defaultTextStyle>
+  <p:extLst>
+    <p:ext uri="{EFAFB233-063F-42B5-8137-9DF3F51BA10A}">
+      <p15:sldGuideLst xmlns:p15="http://schemas.microsoft.com/office/powerpoint/2012/main"/>
+    </p:ext>
+  </p:extLst>
 </p:presentation>
 </file>
 
@@ -278,7 +283,7 @@
           <a:p>
             <a:fld id="{2FB6B43C-0AE6-A443-94D1-776AFD810E6B}" type="datetimeFigureOut">
               <a:rPr kumimoji="1" lang="zh-CN" altLang="en-US" smtClean="0"/>
-              <a:t>2021/11/2</a:t>
+              <a:t>2021/11/7</a:t>
             </a:fld>
             <a:endParaRPr kumimoji="1" lang="zh-CN" altLang="en-US"/>
           </a:p>
@@ -329,7 +334,7 @@
     </p:spTree>
     <p:extLst>
       <p:ext uri="{BB962C8B-B14F-4D97-AF65-F5344CB8AC3E}">
-        <p14:creationId xmlns:p14="http://schemas.microsoft.com/office/powerpoint/2010/main" val="743171418"/>
+        <p14:creationId xmlns:p14="http://schemas.microsoft.com/office/powerpoint/2010/main" val="368909146"/>
       </p:ext>
     </p:extLst>
   </p:cSld>
@@ -441,7 +446,10 @@
           <a:noFill/>
           <a:ln w="82550" cap="sq">
             <a:solidFill>
-              <a:srgbClr val="EAEAEA"/>
+              <a:schemeClr val="bg2">
+                <a:lumMod val="60000"/>
+                <a:lumOff val="40000"/>
+              </a:schemeClr>
             </a:solidFill>
             <a:miter lim="800000"/>
           </a:ln>
@@ -590,7 +598,7 @@
           <a:p>
             <a:fld id="{2FB6B43C-0AE6-A443-94D1-776AFD810E6B}" type="datetimeFigureOut">
               <a:rPr kumimoji="1" lang="zh-CN" altLang="en-US" smtClean="0"/>
-              <a:t>2021/11/2</a:t>
+              <a:t>2021/11/7</a:t>
             </a:fld>
             <a:endParaRPr kumimoji="1" lang="zh-CN" altLang="en-US"/>
           </a:p>
@@ -641,7 +649,7 @@
     </p:spTree>
     <p:extLst>
       <p:ext uri="{BB962C8B-B14F-4D97-AF65-F5344CB8AC3E}">
-        <p14:creationId xmlns:p14="http://schemas.microsoft.com/office/powerpoint/2010/main" val="2474206535"/>
+        <p14:creationId xmlns:p14="http://schemas.microsoft.com/office/powerpoint/2010/main" val="949270709"/>
       </p:ext>
     </p:extLst>
   </p:cSld>
@@ -812,7 +820,7 @@
           <a:p>
             <a:fld id="{2FB6B43C-0AE6-A443-94D1-776AFD810E6B}" type="datetimeFigureOut">
               <a:rPr kumimoji="1" lang="zh-CN" altLang="en-US" smtClean="0"/>
-              <a:t>2021/11/2</a:t>
+              <a:t>2021/11/7</a:t>
             </a:fld>
             <a:endParaRPr kumimoji="1" lang="zh-CN" altLang="en-US"/>
           </a:p>
@@ -863,7 +871,7 @@
     </p:spTree>
     <p:extLst>
       <p:ext uri="{BB962C8B-B14F-4D97-AF65-F5344CB8AC3E}">
-        <p14:creationId xmlns:p14="http://schemas.microsoft.com/office/powerpoint/2010/main" val="3927740063"/>
+        <p14:creationId xmlns:p14="http://schemas.microsoft.com/office/powerpoint/2010/main" val="3133880101"/>
       </p:ext>
     </p:extLst>
   </p:cSld>
@@ -1103,7 +1111,7 @@
           <a:p>
             <a:fld id="{2FB6B43C-0AE6-A443-94D1-776AFD810E6B}" type="datetimeFigureOut">
               <a:rPr kumimoji="1" lang="zh-CN" altLang="en-US" smtClean="0"/>
-              <a:t>2021/11/2</a:t>
+              <a:t>2021/11/7</a:t>
             </a:fld>
             <a:endParaRPr kumimoji="1" lang="zh-CN" altLang="en-US"/>
           </a:p>
@@ -1386,7 +1394,7 @@
     </p:spTree>
     <p:extLst>
       <p:ext uri="{BB962C8B-B14F-4D97-AF65-F5344CB8AC3E}">
-        <p14:creationId xmlns:p14="http://schemas.microsoft.com/office/powerpoint/2010/main" val="3608362100"/>
+        <p14:creationId xmlns:p14="http://schemas.microsoft.com/office/powerpoint/2010/main" val="697366712"/>
       </p:ext>
     </p:extLst>
   </p:cSld>
@@ -1557,7 +1565,7 @@
           <a:p>
             <a:fld id="{2FB6B43C-0AE6-A443-94D1-776AFD810E6B}" type="datetimeFigureOut">
               <a:rPr kumimoji="1" lang="zh-CN" altLang="en-US" smtClean="0"/>
-              <a:t>2021/11/2</a:t>
+              <a:t>2021/11/7</a:t>
             </a:fld>
             <a:endParaRPr kumimoji="1" lang="zh-CN" altLang="en-US"/>
           </a:p>
@@ -1608,7 +1616,7 @@
     </p:spTree>
     <p:extLst>
       <p:ext uri="{BB962C8B-B14F-4D97-AF65-F5344CB8AC3E}">
-        <p14:creationId xmlns:p14="http://schemas.microsoft.com/office/powerpoint/2010/main" val="3206684106"/>
+        <p14:creationId xmlns:p14="http://schemas.microsoft.com/office/powerpoint/2010/main" val="2164603828"/>
       </p:ext>
     </p:extLst>
   </p:cSld>
@@ -2133,7 +2141,7 @@
           <a:p>
             <a:fld id="{2FB6B43C-0AE6-A443-94D1-776AFD810E6B}" type="datetimeFigureOut">
               <a:rPr kumimoji="1" lang="zh-CN" altLang="en-US" smtClean="0"/>
-              <a:t>2021/11/2</a:t>
+              <a:t>2021/11/7</a:t>
             </a:fld>
             <a:endParaRPr kumimoji="1" lang="zh-CN" altLang="en-US"/>
           </a:p>
@@ -2184,7 +2192,7 @@
     </p:spTree>
     <p:extLst>
       <p:ext uri="{BB962C8B-B14F-4D97-AF65-F5344CB8AC3E}">
-        <p14:creationId xmlns:p14="http://schemas.microsoft.com/office/powerpoint/2010/main" val="3059952908"/>
+        <p14:creationId xmlns:p14="http://schemas.microsoft.com/office/powerpoint/2010/main" val="730667839"/>
       </p:ext>
     </p:extLst>
   </p:cSld>
@@ -2366,7 +2374,10 @@
           <a:noFill/>
           <a:ln w="82550" cap="sq">
             <a:solidFill>
-              <a:srgbClr val="EAEAEA"/>
+              <a:schemeClr val="bg2">
+                <a:lumMod val="60000"/>
+                <a:lumOff val="40000"/>
+              </a:schemeClr>
             </a:solidFill>
             <a:miter lim="800000"/>
           </a:ln>
@@ -2599,7 +2610,10 @@
           <a:noFill/>
           <a:ln w="82550" cap="sq">
             <a:solidFill>
-              <a:srgbClr val="EAEAEA"/>
+              <a:schemeClr val="bg2">
+                <a:lumMod val="60000"/>
+                <a:lumOff val="40000"/>
+              </a:schemeClr>
             </a:solidFill>
             <a:miter lim="800000"/>
           </a:ln>
@@ -2832,7 +2846,10 @@
           <a:noFill/>
           <a:ln w="82550" cap="sq">
             <a:solidFill>
-              <a:srgbClr val="EAEAEA"/>
+              <a:schemeClr val="bg2">
+                <a:lumMod val="60000"/>
+                <a:lumOff val="40000"/>
+              </a:schemeClr>
             </a:solidFill>
             <a:miter lim="800000"/>
           </a:ln>
@@ -2985,7 +3002,7 @@
           <a:p>
             <a:fld id="{2FB6B43C-0AE6-A443-94D1-776AFD810E6B}" type="datetimeFigureOut">
               <a:rPr kumimoji="1" lang="zh-CN" altLang="en-US" smtClean="0"/>
-              <a:t>2021/11/2</a:t>
+              <a:t>2021/11/7</a:t>
             </a:fld>
             <a:endParaRPr kumimoji="1" lang="zh-CN" altLang="en-US"/>
           </a:p>
@@ -3036,7 +3053,7 @@
     </p:spTree>
     <p:extLst>
       <p:ext uri="{BB962C8B-B14F-4D97-AF65-F5344CB8AC3E}">
-        <p14:creationId xmlns:p14="http://schemas.microsoft.com/office/powerpoint/2010/main" val="3696012673"/>
+        <p14:creationId xmlns:p14="http://schemas.microsoft.com/office/powerpoint/2010/main" val="4201379094"/>
       </p:ext>
     </p:extLst>
   </p:cSld>
@@ -3190,7 +3207,7 @@
           <a:p>
             <a:fld id="{2FB6B43C-0AE6-A443-94D1-776AFD810E6B}" type="datetimeFigureOut">
               <a:rPr kumimoji="1" lang="zh-CN" altLang="en-US" smtClean="0"/>
-              <a:t>2021/11/2</a:t>
+              <a:t>2021/11/7</a:t>
             </a:fld>
             <a:endParaRPr kumimoji="1" lang="zh-CN" altLang="en-US"/>
           </a:p>
@@ -3241,7 +3258,7 @@
     </p:spTree>
     <p:extLst>
       <p:ext uri="{BB962C8B-B14F-4D97-AF65-F5344CB8AC3E}">
-        <p14:creationId xmlns:p14="http://schemas.microsoft.com/office/powerpoint/2010/main" val="3135376155"/>
+        <p14:creationId xmlns:p14="http://schemas.microsoft.com/office/powerpoint/2010/main" val="2007922696"/>
       </p:ext>
     </p:extLst>
   </p:cSld>
@@ -3404,7 +3421,7 @@
           <a:p>
             <a:fld id="{2FB6B43C-0AE6-A443-94D1-776AFD810E6B}" type="datetimeFigureOut">
               <a:rPr kumimoji="1" lang="zh-CN" altLang="en-US" smtClean="0"/>
-              <a:t>2021/11/2</a:t>
+              <a:t>2021/11/7</a:t>
             </a:fld>
             <a:endParaRPr kumimoji="1" lang="zh-CN" altLang="en-US"/>
           </a:p>
@@ -3455,7 +3472,7 @@
     </p:spTree>
     <p:extLst>
       <p:ext uri="{BB962C8B-B14F-4D97-AF65-F5344CB8AC3E}">
-        <p14:creationId xmlns:p14="http://schemas.microsoft.com/office/powerpoint/2010/main" val="166429038"/>
+        <p14:creationId xmlns:p14="http://schemas.microsoft.com/office/powerpoint/2010/main" val="2600312722"/>
       </p:ext>
     </p:extLst>
   </p:cSld>
@@ -3609,7 +3626,7 @@
           <a:p>
             <a:fld id="{2FB6B43C-0AE6-A443-94D1-776AFD810E6B}" type="datetimeFigureOut">
               <a:rPr kumimoji="1" lang="zh-CN" altLang="en-US" smtClean="0"/>
-              <a:t>2021/11/2</a:t>
+              <a:t>2021/11/7</a:t>
             </a:fld>
             <a:endParaRPr kumimoji="1" lang="zh-CN" altLang="en-US"/>
           </a:p>
@@ -3660,7 +3677,7 @@
     </p:spTree>
     <p:extLst>
       <p:ext uri="{BB962C8B-B14F-4D97-AF65-F5344CB8AC3E}">
-        <p14:creationId xmlns:p14="http://schemas.microsoft.com/office/powerpoint/2010/main" val="715135150"/>
+        <p14:creationId xmlns:p14="http://schemas.microsoft.com/office/powerpoint/2010/main" val="192439643"/>
       </p:ext>
     </p:extLst>
   </p:cSld>
@@ -3889,7 +3906,7 @@
           <a:p>
             <a:fld id="{2FB6B43C-0AE6-A443-94D1-776AFD810E6B}" type="datetimeFigureOut">
               <a:rPr kumimoji="1" lang="zh-CN" altLang="en-US" smtClean="0"/>
-              <a:t>2021/11/2</a:t>
+              <a:t>2021/11/7</a:t>
             </a:fld>
             <a:endParaRPr kumimoji="1" lang="zh-CN" altLang="en-US"/>
           </a:p>
@@ -3940,7 +3957,7 @@
     </p:spTree>
     <p:extLst>
       <p:ext uri="{BB962C8B-B14F-4D97-AF65-F5344CB8AC3E}">
-        <p14:creationId xmlns:p14="http://schemas.microsoft.com/office/powerpoint/2010/main" val="4093243526"/>
+        <p14:creationId xmlns:p14="http://schemas.microsoft.com/office/powerpoint/2010/main" val="1276564187"/>
       </p:ext>
     </p:extLst>
   </p:cSld>
@@ -4156,7 +4173,7 @@
           <a:p>
             <a:fld id="{2FB6B43C-0AE6-A443-94D1-776AFD810E6B}" type="datetimeFigureOut">
               <a:rPr kumimoji="1" lang="zh-CN" altLang="en-US" smtClean="0"/>
-              <a:t>2021/11/2</a:t>
+              <a:t>2021/11/7</a:t>
             </a:fld>
             <a:endParaRPr kumimoji="1" lang="zh-CN" altLang="en-US"/>
           </a:p>
@@ -4207,7 +4224,7 @@
     </p:spTree>
     <p:extLst>
       <p:ext uri="{BB962C8B-B14F-4D97-AF65-F5344CB8AC3E}">
-        <p14:creationId xmlns:p14="http://schemas.microsoft.com/office/powerpoint/2010/main" val="609974585"/>
+        <p14:creationId xmlns:p14="http://schemas.microsoft.com/office/powerpoint/2010/main" val="3035381191"/>
       </p:ext>
     </p:extLst>
   </p:cSld>
@@ -4571,7 +4588,7 @@
           <a:p>
             <a:fld id="{2FB6B43C-0AE6-A443-94D1-776AFD810E6B}" type="datetimeFigureOut">
               <a:rPr kumimoji="1" lang="zh-CN" altLang="en-US" smtClean="0"/>
-              <a:t>2021/11/2</a:t>
+              <a:t>2021/11/7</a:t>
             </a:fld>
             <a:endParaRPr kumimoji="1" lang="zh-CN" altLang="en-US"/>
           </a:p>
@@ -4622,7 +4639,7 @@
     </p:spTree>
     <p:extLst>
       <p:ext uri="{BB962C8B-B14F-4D97-AF65-F5344CB8AC3E}">
-        <p14:creationId xmlns:p14="http://schemas.microsoft.com/office/powerpoint/2010/main" val="282018027"/>
+        <p14:creationId xmlns:p14="http://schemas.microsoft.com/office/powerpoint/2010/main" val="1148798022"/>
       </p:ext>
     </p:extLst>
   </p:cSld>
@@ -4719,7 +4736,7 @@
           <a:p>
             <a:fld id="{2FB6B43C-0AE6-A443-94D1-776AFD810E6B}" type="datetimeFigureOut">
               <a:rPr kumimoji="1" lang="zh-CN" altLang="en-US" smtClean="0"/>
-              <a:t>2021/11/2</a:t>
+              <a:t>2021/11/7</a:t>
             </a:fld>
             <a:endParaRPr kumimoji="1" lang="zh-CN" altLang="en-US"/>
           </a:p>
@@ -4770,7 +4787,7 @@
     </p:spTree>
     <p:extLst>
       <p:ext uri="{BB962C8B-B14F-4D97-AF65-F5344CB8AC3E}">
-        <p14:creationId xmlns:p14="http://schemas.microsoft.com/office/powerpoint/2010/main" val="418703688"/>
+        <p14:creationId xmlns:p14="http://schemas.microsoft.com/office/powerpoint/2010/main" val="1135963436"/>
       </p:ext>
     </p:extLst>
   </p:cSld>
@@ -4844,7 +4861,7 @@
           <a:p>
             <a:fld id="{2FB6B43C-0AE6-A443-94D1-776AFD810E6B}" type="datetimeFigureOut">
               <a:rPr kumimoji="1" lang="zh-CN" altLang="en-US" smtClean="0"/>
-              <a:t>2021/11/2</a:t>
+              <a:t>2021/11/7</a:t>
             </a:fld>
             <a:endParaRPr kumimoji="1" lang="zh-CN" altLang="en-US"/>
           </a:p>
@@ -4895,7 +4912,7 @@
     </p:spTree>
     <p:extLst>
       <p:ext uri="{BB962C8B-B14F-4D97-AF65-F5344CB8AC3E}">
-        <p14:creationId xmlns:p14="http://schemas.microsoft.com/office/powerpoint/2010/main" val="1345271029"/>
+        <p14:creationId xmlns:p14="http://schemas.microsoft.com/office/powerpoint/2010/main" val="2639108977"/>
       </p:ext>
     </p:extLst>
   </p:cSld>
@@ -5123,7 +5140,7 @@
           <a:p>
             <a:fld id="{2FB6B43C-0AE6-A443-94D1-776AFD810E6B}" type="datetimeFigureOut">
               <a:rPr kumimoji="1" lang="zh-CN" altLang="en-US" smtClean="0"/>
-              <a:t>2021/11/2</a:t>
+              <a:t>2021/11/7</a:t>
             </a:fld>
             <a:endParaRPr kumimoji="1" lang="zh-CN" altLang="en-US"/>
           </a:p>
@@ -5174,7 +5191,7 @@
     </p:spTree>
     <p:extLst>
       <p:ext uri="{BB962C8B-B14F-4D97-AF65-F5344CB8AC3E}">
-        <p14:creationId xmlns:p14="http://schemas.microsoft.com/office/powerpoint/2010/main" val="2106688789"/>
+        <p14:creationId xmlns:p14="http://schemas.microsoft.com/office/powerpoint/2010/main" val="769282471"/>
       </p:ext>
     </p:extLst>
   </p:cSld>
@@ -5286,7 +5303,10 @@
           <a:noFill/>
           <a:ln w="82550" cap="sq">
             <a:solidFill>
-              <a:srgbClr val="EAEAEA"/>
+              <a:schemeClr val="bg2">
+                <a:lumMod val="60000"/>
+                <a:lumOff val="40000"/>
+              </a:schemeClr>
             </a:solidFill>
             <a:miter lim="800000"/>
           </a:ln>
@@ -5435,7 +5455,7 @@
           <a:p>
             <a:fld id="{2FB6B43C-0AE6-A443-94D1-776AFD810E6B}" type="datetimeFigureOut">
               <a:rPr kumimoji="1" lang="zh-CN" altLang="en-US" smtClean="0"/>
-              <a:t>2021/11/2</a:t>
+              <a:t>2021/11/7</a:t>
             </a:fld>
             <a:endParaRPr kumimoji="1" lang="zh-CN" altLang="en-US"/>
           </a:p>
@@ -5486,7 +5506,7 @@
     </p:spTree>
     <p:extLst>
       <p:ext uri="{BB962C8B-B14F-4D97-AF65-F5344CB8AC3E}">
-        <p14:creationId xmlns:p14="http://schemas.microsoft.com/office/powerpoint/2010/main" val="871716843"/>
+        <p14:creationId xmlns:p14="http://schemas.microsoft.com/office/powerpoint/2010/main" val="1115073641"/>
       </p:ext>
     </p:extLst>
   </p:cSld>
@@ -5500,8 +5520,8 @@
 <p:sldMaster xmlns:a="http://schemas.openxmlformats.org/drawingml/2006/main" xmlns:r="http://schemas.openxmlformats.org/officeDocument/2006/relationships" xmlns:p="http://schemas.openxmlformats.org/presentationml/2006/main">
   <p:cSld>
     <p:bg>
-      <p:bgRef idx="1002">
-        <a:schemeClr val="bg1"/>
+      <p:bgRef idx="1003">
+        <a:schemeClr val="bg2"/>
       </p:bgRef>
     </p:bg>
     <p:spTree>
@@ -5528,7 +5548,7 @@
         </p:nvPicPr>
         <p:blipFill>
           <a:blip r:embed="rId19">
-            <a:alphaModFix/>
+            <a:alphaModFix amt="80000"/>
             <a:extLst>
               <a:ext uri="{28A0092B-C50C-407E-A947-70E740481C1C}">
                 <a14:useLocalDpi xmlns:a14="http://schemas.microsoft.com/office/drawing/2010/main" val="0"/>
@@ -5542,7 +5562,7 @@
         </p:blipFill>
         <p:spPr bwMode="auto">
           <a:xfrm>
-            <a:off x="0" y="-1"/>
+            <a:off x="0" y="0"/>
             <a:ext cx="12192003" cy="6858001"/>
           </a:xfrm>
           <a:prstGeom prst="rect">
@@ -5688,7 +5708,7 @@
           <a:p>
             <a:fld id="{2FB6B43C-0AE6-A443-94D1-776AFD810E6B}" type="datetimeFigureOut">
               <a:rPr kumimoji="1" lang="zh-CN" altLang="en-US" smtClean="0"/>
-              <a:t>2021/11/2</a:t>
+              <a:t>2021/11/7</a:t>
             </a:fld>
             <a:endParaRPr kumimoji="1" lang="zh-CN" altLang="en-US"/>
           </a:p>
@@ -5771,29 +5791,29 @@
     </p:spTree>
     <p:extLst>
       <p:ext uri="{BB962C8B-B14F-4D97-AF65-F5344CB8AC3E}">
-        <p14:creationId xmlns:p14="http://schemas.microsoft.com/office/powerpoint/2010/main" val="1521121944"/>
+        <p14:creationId xmlns:p14="http://schemas.microsoft.com/office/powerpoint/2010/main" val="3481124455"/>
       </p:ext>
     </p:extLst>
   </p:cSld>
   <p:clrMap bg1="lt1" tx1="dk1" bg2="lt2" tx2="dk2" accent1="accent1" accent2="accent2" accent3="accent3" accent4="accent4" accent5="accent5" accent6="accent6" hlink="hlink" folHlink="folHlink"/>
   <p:sldLayoutIdLst>
-    <p:sldLayoutId id="2147483661" r:id="rId1"/>
-    <p:sldLayoutId id="2147483662" r:id="rId2"/>
-    <p:sldLayoutId id="2147483663" r:id="rId3"/>
-    <p:sldLayoutId id="2147483664" r:id="rId4"/>
-    <p:sldLayoutId id="2147483665" r:id="rId5"/>
-    <p:sldLayoutId id="2147483666" r:id="rId6"/>
-    <p:sldLayoutId id="2147483667" r:id="rId7"/>
-    <p:sldLayoutId id="2147483668" r:id="rId8"/>
-    <p:sldLayoutId id="2147483669" r:id="rId9"/>
-    <p:sldLayoutId id="2147483670" r:id="rId10"/>
-    <p:sldLayoutId id="2147483671" r:id="rId11"/>
-    <p:sldLayoutId id="2147483672" r:id="rId12"/>
-    <p:sldLayoutId id="2147483673" r:id="rId13"/>
-    <p:sldLayoutId id="2147483674" r:id="rId14"/>
-    <p:sldLayoutId id="2147483675" r:id="rId15"/>
-    <p:sldLayoutId id="2147483676" r:id="rId16"/>
-    <p:sldLayoutId id="2147483677" r:id="rId17"/>
+    <p:sldLayoutId id="2147483679" r:id="rId1"/>
+    <p:sldLayoutId id="2147483680" r:id="rId2"/>
+    <p:sldLayoutId id="2147483681" r:id="rId3"/>
+    <p:sldLayoutId id="2147483682" r:id="rId4"/>
+    <p:sldLayoutId id="2147483683" r:id="rId5"/>
+    <p:sldLayoutId id="2147483684" r:id="rId6"/>
+    <p:sldLayoutId id="2147483685" r:id="rId7"/>
+    <p:sldLayoutId id="2147483686" r:id="rId8"/>
+    <p:sldLayoutId id="2147483687" r:id="rId9"/>
+    <p:sldLayoutId id="2147483688" r:id="rId10"/>
+    <p:sldLayoutId id="2147483689" r:id="rId11"/>
+    <p:sldLayoutId id="2147483690" r:id="rId12"/>
+    <p:sldLayoutId id="2147483691" r:id="rId13"/>
+    <p:sldLayoutId id="2147483692" r:id="rId14"/>
+    <p:sldLayoutId id="2147483693" r:id="rId15"/>
+    <p:sldLayoutId id="2147483694" r:id="rId16"/>
+    <p:sldLayoutId id="2147483695" r:id="rId17"/>
   </p:sldLayoutIdLst>
   <p:txStyles>
     <p:titleStyle>
@@ -6206,34 +6226,34 @@
         <a:sysClr val="window" lastClr="FFFFFF"/>
       </a:lt1>
       <a:dk2>
-        <a:srgbClr val="355071"/>
+        <a:srgbClr val="27537E"/>
       </a:dk2>
       <a:lt2>
         <a:srgbClr val="AABED7"/>
       </a:lt2>
       <a:accent1>
-        <a:srgbClr val="2FA3EE"/>
+        <a:srgbClr val="E34B7A"/>
       </a:accent1>
       <a:accent2>
-        <a:srgbClr val="4BCAAD"/>
+        <a:srgbClr val="AC339A"/>
       </a:accent2>
       <a:accent3>
-        <a:srgbClr val="86C157"/>
+        <a:srgbClr val="6953B7"/>
       </a:accent3>
       <a:accent4>
-        <a:srgbClr val="D99C3F"/>
+        <a:srgbClr val="1D7EAB"/>
       </a:accent4>
       <a:accent5>
-        <a:srgbClr val="CE6633"/>
+        <a:srgbClr val="43AFD6"/>
       </a:accent5>
       <a:accent6>
-        <a:srgbClr val="A35DD1"/>
+        <a:srgbClr val="DE85E1"/>
       </a:accent6>
       <a:hlink>
-        <a:srgbClr val="56BCFE"/>
+        <a:srgbClr val="ED87A6"/>
       </a:hlink>
       <a:folHlink>
-        <a:srgbClr val="97C5E3"/>
+        <a:srgbClr val="C99EAC"/>
       </a:folHlink>
     </a:clrScheme>
     <a:fontScheme name="水滴">
@@ -6429,18 +6449,18 @@
           <a:gsLst>
             <a:gs pos="0">
               <a:schemeClr val="phClr">
-                <a:tint val="84000"/>
+                <a:tint val="78000"/>
                 <a:shade val="100000"/>
-                <a:hueMod val="130000"/>
-                <a:satMod val="150000"/>
-                <a:lumMod val="112000"/>
+                <a:hueMod val="136000"/>
+                <a:satMod val="160000"/>
+                <a:lumMod val="105000"/>
               </a:schemeClr>
             </a:gs>
             <a:gs pos="100000">
               <a:schemeClr val="phClr">
                 <a:shade val="92000"/>
-                <a:satMod val="140000"/>
-                <a:lumMod val="110000"/>
+                <a:satMod val="170000"/>
+                <a:lumMod val="96000"/>
               </a:schemeClr>
             </a:gs>
           </a:gsLst>
@@ -6453,7 +6473,7 @@
   <a:extraClrSchemeLst/>
   <a:extLst>
     <a:ext uri="{05A4C25C-085E-4340-85A3-A5531E510DB2}">
-      <thm15:themeFamily xmlns:thm15="http://schemas.microsoft.com/office/thememl/2012/main" name="Droplet" id="{8984A317-299A-4E50-B45D-BFC9EDE2337A}" vid="{A633B6A3-9E7F-4C10-9C98-2517A3134361}"/>
+      <thm15:themeFamily xmlns:thm15="http://schemas.microsoft.com/office/thememl/2012/main" name="Droplet" id="{8984A317-299A-4E50-B45D-BFC9EDE2337A}" vid="{C71B277C-C29A-4BA0-A7BA-43502DF21AB3}"/>
     </a:ext>
   </a:extLst>
 </a:theme>

--- a/Presentation.pptx
+++ b/Presentation.pptx
@@ -122,6 +122,38 @@
 </p:presentation>
 </file>
 
+<file path=ppt/authors.xml><?xml version="1.0" encoding="utf-8"?>
+<p188:authorLst xmlns:a="http://schemas.openxmlformats.org/drawingml/2006/main" xmlns:r="http://schemas.openxmlformats.org/officeDocument/2006/relationships" xmlns:p188="http://schemas.microsoft.com/office/powerpoint/2018/8/main">
+  <p188:author id="{5574454C-FF35-672C-10E1-6D7EB395B87D}" name="Yanlin Li" initials="YL" userId="S::yanlinli@andrew.cmu.edu::b58c675b-528f-4b34-8893-2b6bfa43bf34" providerId="AD"/>
+</p188:authorLst>
+</file>
+
+<file path=ppt/comments/modernComment_101_6413F220.xml><?xml version="1.0" encoding="utf-8"?>
+<p188:cmLst xmlns:a="http://schemas.openxmlformats.org/drawingml/2006/main" xmlns:r="http://schemas.openxmlformats.org/officeDocument/2006/relationships" xmlns:p188="http://schemas.microsoft.com/office/powerpoint/2018/8/main">
+  <p188:cm id="{3892A95F-6CA7-3A48-8F35-2BF374BD3F83}" authorId="{5574454C-FF35-672C-10E1-6D7EB395B87D}" created="2021-11-13T19:26:13.570">
+    <pc:sldMkLst xmlns:pc="http://schemas.microsoft.com/office/powerpoint/2013/main/command">
+      <pc:docMk/>
+      <pc:sldMk cId="1679028768" sldId="257"/>
+    </pc:sldMkLst>
+    <p188:txBody>
+      <a:bodyPr/>
+      <a:lstStyle/>
+      <a:p>
+        <a:r>
+          <a:rPr lang="zh-CN" altLang="en-US"/>
+          <a:t>1. Team intro - names
+2. Titile
+3. Average Bike availability definition
+4. Why we choose these two times
+5. Introduce the map &amp; area (commercial vs residential - clusters)
+6. Findings</a:t>
+        </a:r>
+      </a:p>
+    </p188:txBody>
+  </p188:cm>
+</p188:cmLst>
+</file>
+
 <file path=ppt/notesMasters/notesMaster1.xml><?xml version="1.0" encoding="utf-8"?>
 <p:notesMaster xmlns:a="http://schemas.openxmlformats.org/drawingml/2006/main" xmlns:r="http://schemas.openxmlformats.org/officeDocument/2006/relationships" xmlns:p="http://schemas.openxmlformats.org/presentationml/2006/main">
   <p:cSld>
@@ -204,7 +236,7 @@
           <a:p>
             <a:fld id="{2DF4AFD1-2180-3F42-B0C0-E11CF5FEDE3E}" type="datetimeFigureOut">
               <a:rPr kumimoji="1" lang="zh-CN" altLang="en-US" smtClean="0"/>
-              <a:t>2021/11/11</a:t>
+              <a:t>2021/11/13</a:t>
             </a:fld>
             <a:endParaRPr kumimoji="1" lang="zh-CN" altLang="en-US"/>
           </a:p>
@@ -767,7 +799,295 @@
           <a:bodyPr/>
           <a:lstStyle/>
           <a:p>
-            <a:endParaRPr kumimoji="1" lang="zh-CN" altLang="en-US" dirty="0"/>
+            <a:pPr lvl="0"/>
+            <a:r>
+              <a:rPr lang="en-US" altLang="zh-CN" sz="1200" b="1" kern="1200" dirty="0">
+                <a:solidFill>
+                  <a:schemeClr val="tx1"/>
+                </a:solidFill>
+                <a:effectLst/>
+                <a:latin typeface="+mn-lt"/>
+                <a:ea typeface="+mn-ea"/>
+                <a:cs typeface="+mn-cs"/>
+              </a:rPr>
+              <a:t>Team info:</a:t>
+            </a:r>
+            <a:r>
+              <a:rPr lang="en-US" altLang="zh-CN" sz="1200" kern="1200" dirty="0">
+                <a:solidFill>
+                  <a:schemeClr val="tx1"/>
+                </a:solidFill>
+                <a:effectLst/>
+                <a:latin typeface="+mn-lt"/>
+                <a:ea typeface="+mn-ea"/>
+                <a:cs typeface="+mn-cs"/>
+              </a:rPr>
+              <a:t> Good morning! My name is xxx, and I</a:t>
+            </a:r>
+            <a:r>
+              <a:rPr lang="zh-CN" altLang="zh-CN" sz="1200" kern="1200" dirty="0">
+                <a:solidFill>
+                  <a:schemeClr val="tx1"/>
+                </a:solidFill>
+                <a:effectLst/>
+                <a:latin typeface="+mn-lt"/>
+                <a:ea typeface="+mn-ea"/>
+                <a:cs typeface="+mn-cs"/>
+              </a:rPr>
+              <a:t>’</a:t>
+            </a:r>
+            <a:r>
+              <a:rPr lang="en-US" altLang="zh-CN" sz="1200" kern="1200" dirty="0">
+                <a:solidFill>
+                  <a:schemeClr val="tx1"/>
+                </a:solidFill>
+                <a:effectLst/>
+                <a:latin typeface="+mn-lt"/>
+                <a:ea typeface="+mn-ea"/>
+                <a:cs typeface="+mn-cs"/>
+              </a:rPr>
+              <a:t>m here with my teammates </a:t>
+            </a:r>
+            <a:r>
+              <a:rPr lang="en-US" altLang="zh-CN" sz="1200" kern="1200" dirty="0" err="1">
+                <a:solidFill>
+                  <a:schemeClr val="tx1"/>
+                </a:solidFill>
+                <a:effectLst/>
+                <a:latin typeface="+mn-lt"/>
+                <a:ea typeface="+mn-ea"/>
+                <a:cs typeface="+mn-cs"/>
+              </a:rPr>
+              <a:t>xxxx</a:t>
+            </a:r>
+            <a:r>
+              <a:rPr lang="en-US" altLang="zh-CN" sz="1200" kern="1200" dirty="0">
+                <a:solidFill>
+                  <a:schemeClr val="tx1"/>
+                </a:solidFill>
+                <a:effectLst/>
+                <a:latin typeface="+mn-lt"/>
+                <a:ea typeface="+mn-ea"/>
+                <a:cs typeface="+mn-cs"/>
+              </a:rPr>
+              <a:t>. We are team </a:t>
+            </a:r>
+            <a:r>
+              <a:rPr lang="en-US" altLang="zh-CN" sz="1200" kern="1200" dirty="0" err="1">
+                <a:solidFill>
+                  <a:schemeClr val="tx1"/>
+                </a:solidFill>
+                <a:effectLst/>
+                <a:latin typeface="+mn-lt"/>
+                <a:ea typeface="+mn-ea"/>
+                <a:cs typeface="+mn-cs"/>
+              </a:rPr>
+              <a:t>VanMoof</a:t>
+            </a:r>
+            <a:r>
+              <a:rPr lang="en-US" altLang="zh-CN" sz="1200" kern="1200" dirty="0">
+                <a:solidFill>
+                  <a:schemeClr val="tx1"/>
+                </a:solidFill>
+                <a:effectLst/>
+                <a:latin typeface="+mn-lt"/>
+                <a:ea typeface="+mn-ea"/>
+                <a:cs typeface="+mn-cs"/>
+              </a:rPr>
+              <a:t>. Today we are going to present a key finding from our EDA, which is how the commuting patterns transfer bike availability throughout the day. </a:t>
+            </a:r>
+            <a:endParaRPr lang="zh-CN" altLang="zh-CN" sz="1200" kern="1200" dirty="0">
+              <a:solidFill>
+                <a:schemeClr val="tx1"/>
+              </a:solidFill>
+              <a:effectLst/>
+              <a:latin typeface="+mn-lt"/>
+              <a:ea typeface="+mn-ea"/>
+              <a:cs typeface="+mn-cs"/>
+            </a:endParaRPr>
+          </a:p>
+          <a:p>
+            <a:pPr lvl="0"/>
+            <a:r>
+              <a:rPr lang="en-US" altLang="zh-CN" sz="1200" b="1" kern="1200" dirty="0">
+                <a:solidFill>
+                  <a:schemeClr val="tx1"/>
+                </a:solidFill>
+                <a:effectLst/>
+                <a:latin typeface="+mn-lt"/>
+                <a:ea typeface="+mn-ea"/>
+                <a:cs typeface="+mn-cs"/>
+              </a:rPr>
+              <a:t>Definitions:</a:t>
+            </a:r>
+            <a:r>
+              <a:rPr lang="en-US" altLang="zh-CN" sz="1200" kern="1200" dirty="0">
+                <a:solidFill>
+                  <a:schemeClr val="tx1"/>
+                </a:solidFill>
+                <a:effectLst/>
+                <a:latin typeface="+mn-lt"/>
+                <a:ea typeface="+mn-ea"/>
+                <a:cs typeface="+mn-cs"/>
+              </a:rPr>
+              <a:t> Before we talk about our analysis, we can define bike availability. Bike availability is the number of bikes in a station at a time divided by the total capacity. In other words, bike availability is the proportion of bikes in a station that are available for a customer to start riding. Once we have this metric, we performed our EDA, where we found that the bike availability is usually higher over night than daytime; Bike availability on weekends and weekdays is comparable; and there are more bikeshare stations and higher capacity in downtown than suburbs. Another one of our key findings is that bike availability is usually changing from working hours to non-working hours, which we will discuss more about that here. </a:t>
+            </a:r>
+            <a:endParaRPr lang="zh-CN" altLang="zh-CN" sz="1200" kern="1200" dirty="0">
+              <a:solidFill>
+                <a:schemeClr val="tx1"/>
+              </a:solidFill>
+              <a:effectLst/>
+              <a:latin typeface="+mn-lt"/>
+              <a:ea typeface="+mn-ea"/>
+              <a:cs typeface="+mn-cs"/>
+            </a:endParaRPr>
+          </a:p>
+          <a:p>
+            <a:pPr lvl="0"/>
+            <a:r>
+              <a:rPr lang="en-US" altLang="zh-CN" sz="1200" b="1" kern="1200" dirty="0">
+                <a:solidFill>
+                  <a:schemeClr val="tx1"/>
+                </a:solidFill>
+                <a:effectLst/>
+                <a:latin typeface="+mn-lt"/>
+                <a:ea typeface="+mn-ea"/>
+                <a:cs typeface="+mn-cs"/>
+              </a:rPr>
+              <a:t>Time: </a:t>
+            </a:r>
+            <a:r>
+              <a:rPr lang="en-US" altLang="zh-CN" sz="1200" kern="1200" dirty="0">
+                <a:solidFill>
+                  <a:schemeClr val="tx1"/>
+                </a:solidFill>
+                <a:effectLst/>
+                <a:latin typeface="+mn-lt"/>
+                <a:ea typeface="+mn-ea"/>
+                <a:cs typeface="+mn-cs"/>
+              </a:rPr>
+              <a:t>We saw that during working hours, the bike availabilities are moving. People usually stop to commute around 10 am in the morning and 7 pm in the evening, so we choose these two times as our main focus. </a:t>
+            </a:r>
+            <a:endParaRPr lang="zh-CN" altLang="zh-CN" sz="1200" kern="1200" dirty="0">
+              <a:solidFill>
+                <a:schemeClr val="tx1"/>
+              </a:solidFill>
+              <a:effectLst/>
+              <a:latin typeface="+mn-lt"/>
+              <a:ea typeface="+mn-ea"/>
+              <a:cs typeface="+mn-cs"/>
+            </a:endParaRPr>
+          </a:p>
+          <a:p>
+            <a:pPr lvl="0"/>
+            <a:r>
+              <a:rPr lang="en-US" altLang="zh-CN" sz="1200" b="1" kern="1200" dirty="0">
+                <a:solidFill>
+                  <a:schemeClr val="tx1"/>
+                </a:solidFill>
+                <a:effectLst/>
+                <a:latin typeface="+mn-lt"/>
+                <a:ea typeface="+mn-ea"/>
+                <a:cs typeface="+mn-cs"/>
+              </a:rPr>
+              <a:t>Visualization:</a:t>
+            </a:r>
+            <a:r>
+              <a:rPr lang="en-US" altLang="zh-CN" sz="1200" kern="1200" dirty="0">
+                <a:solidFill>
+                  <a:schemeClr val="tx1"/>
+                </a:solidFill>
+                <a:effectLst/>
+                <a:latin typeface="+mn-lt"/>
+                <a:ea typeface="+mn-ea"/>
+                <a:cs typeface="+mn-cs"/>
+              </a:rPr>
+              <a:t> Each point on the graphs represents a bikeshare station. Their colors can show their average bike availability. We average the bike availability of the two times throughout the month June 2019. Reddish color means high bike availability, and blueish color means low bike availability. On the graphs, we can see two clusters in the black and red circles. Between the two times, pattern of stations in the black and red circles shifts. After further investigation, we found that the black circle represents the residential area, and the red circle is the commercial area. </a:t>
+            </a:r>
+            <a:endParaRPr lang="zh-CN" altLang="zh-CN" sz="1200" kern="1200" dirty="0">
+              <a:solidFill>
+                <a:schemeClr val="tx1"/>
+              </a:solidFill>
+              <a:effectLst/>
+              <a:latin typeface="+mn-lt"/>
+              <a:ea typeface="+mn-ea"/>
+              <a:cs typeface="+mn-cs"/>
+            </a:endParaRPr>
+          </a:p>
+          <a:p>
+            <a:pPr lvl="0"/>
+            <a:r>
+              <a:rPr lang="en-US" altLang="zh-CN" sz="1200" b="1" kern="1200" dirty="0">
+                <a:solidFill>
+                  <a:schemeClr val="tx1"/>
+                </a:solidFill>
+                <a:effectLst/>
+                <a:latin typeface="+mn-lt"/>
+                <a:ea typeface="+mn-ea"/>
+                <a:cs typeface="+mn-cs"/>
+              </a:rPr>
+              <a:t>Conclusion:</a:t>
+            </a:r>
+            <a:r>
+              <a:rPr lang="en-US" altLang="zh-CN" sz="1200" kern="1200" dirty="0">
+                <a:solidFill>
+                  <a:schemeClr val="tx1"/>
+                </a:solidFill>
+                <a:effectLst/>
+                <a:latin typeface="+mn-lt"/>
+                <a:ea typeface="+mn-ea"/>
+                <a:cs typeface="+mn-cs"/>
+              </a:rPr>
+              <a:t> We can thus conclude that bikes are parked in commercial area after commuting in the morning, and they come back to the residential area after commuting in the evening. So commuting pattern can influence the bike availability distribution over a day. </a:t>
+            </a:r>
+            <a:endParaRPr lang="zh-CN" altLang="zh-CN" sz="1200" kern="1200" dirty="0">
+              <a:solidFill>
+                <a:schemeClr val="tx1"/>
+              </a:solidFill>
+              <a:effectLst/>
+              <a:latin typeface="+mn-lt"/>
+              <a:ea typeface="+mn-ea"/>
+              <a:cs typeface="+mn-cs"/>
+            </a:endParaRPr>
+          </a:p>
+          <a:p>
+            <a:pPr lvl="0"/>
+            <a:r>
+              <a:rPr lang="en-US" altLang="zh-CN" sz="1200" b="1" kern="1200" dirty="0">
+                <a:solidFill>
+                  <a:schemeClr val="tx1"/>
+                </a:solidFill>
+                <a:effectLst/>
+                <a:latin typeface="+mn-lt"/>
+                <a:ea typeface="+mn-ea"/>
+                <a:cs typeface="+mn-cs"/>
+              </a:rPr>
+              <a:t>Next steps:</a:t>
+            </a:r>
+            <a:r>
+              <a:rPr lang="en-US" altLang="zh-CN" sz="1200" kern="1200" dirty="0">
+                <a:solidFill>
+                  <a:schemeClr val="tx1"/>
+                </a:solidFill>
+                <a:effectLst/>
+                <a:latin typeface="+mn-lt"/>
+                <a:ea typeface="+mn-ea"/>
+                <a:cs typeface="+mn-cs"/>
+              </a:rPr>
+              <a:t> We now know that location and time are very important in predicting bike availability, and we will likely to include both of them in our modelling process. </a:t>
+            </a:r>
+            <a:endParaRPr lang="zh-CN" altLang="zh-CN" sz="1200" kern="1200">
+              <a:solidFill>
+                <a:schemeClr val="tx1"/>
+              </a:solidFill>
+              <a:effectLst/>
+              <a:latin typeface="+mn-lt"/>
+              <a:ea typeface="+mn-ea"/>
+              <a:cs typeface="+mn-cs"/>
+            </a:endParaRPr>
+          </a:p>
+          <a:p>
+            <a:endParaRPr kumimoji="1" lang="zh-CN" altLang="en-US" sz="1400" dirty="0"/>
           </a:p>
         </p:txBody>
       </p:sp>
@@ -955,7 +1275,7 @@
           <a:p>
             <a:fld id="{624E9E53-13C5-7541-A803-F25DCF836BF0}" type="datetime1">
               <a:rPr lang="zh-CN" altLang="en-US" smtClean="0"/>
-              <a:t>2021/11/11</a:t>
+              <a:t>2021/11/13</a:t>
             </a:fld>
             <a:endParaRPr lang="en-US"/>
           </a:p>
@@ -1153,7 +1473,7 @@
           <a:p>
             <a:fld id="{3E434058-0A8A-C04B-A1D9-AFCE8704CE57}" type="datetime1">
               <a:rPr lang="zh-CN" altLang="en-US" smtClean="0"/>
-              <a:t>2021/11/11</a:t>
+              <a:t>2021/11/13</a:t>
             </a:fld>
             <a:endParaRPr lang="en-US"/>
           </a:p>
@@ -1361,7 +1681,7 @@
           <a:p>
             <a:fld id="{87B3A943-2BED-4144-A0C2-26030E913DFA}" type="datetime1">
               <a:rPr lang="zh-CN" altLang="en-US" smtClean="0"/>
-              <a:t>2021/11/11</a:t>
+              <a:t>2021/11/13</a:t>
             </a:fld>
             <a:endParaRPr lang="en-US"/>
           </a:p>
@@ -1586,7 +1906,7 @@
           <a:p>
             <a:fld id="{E177B0FE-4FFB-A442-979E-0C8A8397CDB1}" type="datetime1">
               <a:rPr lang="zh-CN" altLang="en-US" smtClean="0"/>
-              <a:t>2021/11/11</a:t>
+              <a:t>2021/11/13</a:t>
             </a:fld>
             <a:endParaRPr lang="en-US"/>
           </a:p>
@@ -1862,7 +2182,7 @@
           <a:p>
             <a:fld id="{74C883E5-2D4B-6A4C-9556-EBDE846182D1}" type="datetime1">
               <a:rPr lang="zh-CN" altLang="en-US" smtClean="0"/>
-              <a:t>2021/11/11</a:t>
+              <a:t>2021/11/13</a:t>
             </a:fld>
             <a:endParaRPr lang="en-US"/>
           </a:p>
@@ -2132,7 +2452,7 @@
           <a:p>
             <a:fld id="{2BD36A10-5E17-4A40-9558-F46278937A1C}" type="datetime1">
               <a:rPr lang="zh-CN" altLang="en-US" smtClean="0"/>
-              <a:t>2021/11/11</a:t>
+              <a:t>2021/11/13</a:t>
             </a:fld>
             <a:endParaRPr lang="en-US"/>
           </a:p>
@@ -2544,7 +2864,7 @@
           <a:p>
             <a:fld id="{AC73B23A-F780-564D-83C1-A106C03F78F3}" type="datetime1">
               <a:rPr lang="zh-CN" altLang="en-US" smtClean="0"/>
-              <a:t>2021/11/11</a:t>
+              <a:t>2021/11/13</a:t>
             </a:fld>
             <a:endParaRPr lang="en-US"/>
           </a:p>
@@ -2685,7 +3005,7 @@
           <a:p>
             <a:fld id="{39BBC3C8-9221-1A41-849B-CCF675094C28}" type="datetime1">
               <a:rPr lang="zh-CN" altLang="en-US" smtClean="0"/>
-              <a:t>2021/11/11</a:t>
+              <a:t>2021/11/13</a:t>
             </a:fld>
             <a:endParaRPr lang="en-US"/>
           </a:p>
@@ -2798,7 +3118,7 @@
           <a:p>
             <a:fld id="{E059AED3-7270-E84C-95AA-F90B81053F3F}" type="datetime1">
               <a:rPr lang="zh-CN" altLang="en-US" smtClean="0"/>
-              <a:t>2021/11/11</a:t>
+              <a:t>2021/11/13</a:t>
             </a:fld>
             <a:endParaRPr lang="en-US"/>
           </a:p>
@@ -3109,7 +3429,7 @@
           <a:p>
             <a:fld id="{C3B5441C-88E0-C745-A6BF-5A4051AE1F2F}" type="datetime1">
               <a:rPr lang="zh-CN" altLang="en-US" smtClean="0"/>
-              <a:t>2021/11/11</a:t>
+              <a:t>2021/11/13</a:t>
             </a:fld>
             <a:endParaRPr lang="en-US"/>
           </a:p>
@@ -3400,7 +3720,7 @@
           <a:p>
             <a:fld id="{6144107C-A46A-104A-9E37-9A68C495CB6F}" type="datetime1">
               <a:rPr lang="zh-CN" altLang="en-US" smtClean="0"/>
-              <a:t>2021/11/11</a:t>
+              <a:t>2021/11/13</a:t>
             </a:fld>
             <a:endParaRPr lang="en-US"/>
           </a:p>
@@ -3703,7 +4023,7 @@
           <a:p>
             <a:fld id="{D6B5C2F6-FD55-8940-81C5-A7D4FC07D823}" type="datetime1">
               <a:rPr lang="zh-CN" altLang="en-US" smtClean="0"/>
-              <a:t>2021/11/11</a:t>
+              <a:t>2021/11/13</a:t>
             </a:fld>
             <a:endParaRPr lang="en-US" dirty="0"/>
           </a:p>
@@ -6287,7 +6607,7 @@
           </p:nvPr>
         </p:nvPicPr>
         <p:blipFill>
-          <a:blip r:embed="rId3"/>
+          <a:blip r:embed="rId4"/>
           <a:srcRect t="1050" b="1050"/>
           <a:stretch/>
         </p:blipFill>
@@ -6315,13 +6635,13 @@
           </p:nvPr>
         </p:nvPicPr>
         <p:blipFill>
-          <a:blip r:embed="rId4"/>
+          <a:blip r:embed="rId5"/>
           <a:srcRect t="11" b="11"/>
           <a:stretch/>
         </p:blipFill>
         <p:spPr>
           <a:xfrm>
-            <a:off x="5435392" y="1373070"/>
+            <a:off x="5382942" y="1373070"/>
             <a:ext cx="5970858" cy="4111860"/>
           </a:xfrm>
         </p:spPr>
@@ -6369,7 +6689,7 @@
         </p:nvSpPr>
         <p:spPr>
           <a:xfrm>
-            <a:off x="678181" y="5303137"/>
+            <a:off x="611404" y="5232291"/>
             <a:ext cx="11384036" cy="1015791"/>
           </a:xfrm>
           <a:prstGeom prst="rect">
@@ -6529,6 +6849,206 @@
           </a:p>
         </p:txBody>
       </p:sp>
+      <p:sp>
+        <p:nvSpPr>
+          <p:cNvPr id="4" name="椭圆 3">
+            <a:extLst>
+              <a:ext uri="{FF2B5EF4-FFF2-40B4-BE49-F238E27FC236}">
+                <a16:creationId xmlns:a16="http://schemas.microsoft.com/office/drawing/2014/main" id="{DB5C6A1E-E5B5-FF49-AAC4-F4FE05114E93}"/>
+              </a:ext>
+            </a:extLst>
+          </p:cNvPr>
+          <p:cNvSpPr/>
+          <p:nvPr/>
+        </p:nvSpPr>
+        <p:spPr>
+          <a:xfrm rot="18954918">
+            <a:off x="8437045" y="3167161"/>
+            <a:ext cx="436504" cy="1163007"/>
+          </a:xfrm>
+          <a:prstGeom prst="ellipse">
+            <a:avLst/>
+          </a:prstGeom>
+          <a:noFill/>
+          <a:ln>
+            <a:solidFill>
+              <a:schemeClr val="tx1"/>
+            </a:solidFill>
+          </a:ln>
+        </p:spPr>
+        <p:style>
+          <a:lnRef idx="2">
+            <a:schemeClr val="dk1"/>
+          </a:lnRef>
+          <a:fillRef idx="1">
+            <a:schemeClr val="lt1"/>
+          </a:fillRef>
+          <a:effectRef idx="0">
+            <a:schemeClr val="dk1"/>
+          </a:effectRef>
+          <a:fontRef idx="minor">
+            <a:schemeClr val="dk1"/>
+          </a:fontRef>
+        </p:style>
+        <p:txBody>
+          <a:bodyPr rtlCol="0" anchor="ctr"/>
+          <a:lstStyle/>
+          <a:p>
+            <a:pPr algn="ctr"/>
+            <a:endParaRPr kumimoji="1" lang="zh-CN" altLang="en-US"/>
+          </a:p>
+        </p:txBody>
+      </p:sp>
+      <p:sp>
+        <p:nvSpPr>
+          <p:cNvPr id="9" name="椭圆 8">
+            <a:extLst>
+              <a:ext uri="{FF2B5EF4-FFF2-40B4-BE49-F238E27FC236}">
+                <a16:creationId xmlns:a16="http://schemas.microsoft.com/office/drawing/2014/main" id="{AF944507-5591-8A44-A481-14DE17639E01}"/>
+              </a:ext>
+            </a:extLst>
+          </p:cNvPr>
+          <p:cNvSpPr/>
+          <p:nvPr/>
+        </p:nvSpPr>
+        <p:spPr>
+          <a:xfrm rot="18001325">
+            <a:off x="8252505" y="3561640"/>
+            <a:ext cx="283634" cy="658851"/>
+          </a:xfrm>
+          <a:prstGeom prst="ellipse">
+            <a:avLst/>
+          </a:prstGeom>
+          <a:noFill/>
+          <a:ln>
+            <a:solidFill>
+              <a:srgbClr val="FF0000"/>
+            </a:solidFill>
+          </a:ln>
+        </p:spPr>
+        <p:style>
+          <a:lnRef idx="2">
+            <a:schemeClr val="dk1"/>
+          </a:lnRef>
+          <a:fillRef idx="1">
+            <a:schemeClr val="lt1"/>
+          </a:fillRef>
+          <a:effectRef idx="0">
+            <a:schemeClr val="dk1"/>
+          </a:effectRef>
+          <a:fontRef idx="minor">
+            <a:schemeClr val="dk1"/>
+          </a:fontRef>
+        </p:style>
+        <p:txBody>
+          <a:bodyPr rtlCol="0" anchor="ctr"/>
+          <a:lstStyle/>
+          <a:p>
+            <a:pPr algn="ctr"/>
+            <a:endParaRPr kumimoji="1" lang="zh-CN" altLang="en-US"/>
+          </a:p>
+        </p:txBody>
+      </p:sp>
+      <p:sp>
+        <p:nvSpPr>
+          <p:cNvPr id="10" name="椭圆 9">
+            <a:extLst>
+              <a:ext uri="{FF2B5EF4-FFF2-40B4-BE49-F238E27FC236}">
+                <a16:creationId xmlns:a16="http://schemas.microsoft.com/office/drawing/2014/main" id="{24C23788-62B7-334C-85BF-FDABDF0C3BEF}"/>
+              </a:ext>
+            </a:extLst>
+          </p:cNvPr>
+          <p:cNvSpPr/>
+          <p:nvPr/>
+        </p:nvSpPr>
+        <p:spPr>
+          <a:xfrm rot="17895547">
+            <a:off x="3268693" y="3561112"/>
+            <a:ext cx="297373" cy="658851"/>
+          </a:xfrm>
+          <a:prstGeom prst="ellipse">
+            <a:avLst/>
+          </a:prstGeom>
+          <a:noFill/>
+          <a:ln>
+            <a:solidFill>
+              <a:srgbClr val="FF0000"/>
+            </a:solidFill>
+          </a:ln>
+        </p:spPr>
+        <p:style>
+          <a:lnRef idx="2">
+            <a:schemeClr val="dk1"/>
+          </a:lnRef>
+          <a:fillRef idx="1">
+            <a:schemeClr val="lt1"/>
+          </a:fillRef>
+          <a:effectRef idx="0">
+            <a:schemeClr val="dk1"/>
+          </a:effectRef>
+          <a:fontRef idx="minor">
+            <a:schemeClr val="dk1"/>
+          </a:fontRef>
+        </p:style>
+        <p:txBody>
+          <a:bodyPr rtlCol="0" anchor="ctr"/>
+          <a:lstStyle/>
+          <a:p>
+            <a:pPr algn="ctr"/>
+            <a:endParaRPr kumimoji="1" lang="zh-CN" altLang="en-US"/>
+          </a:p>
+        </p:txBody>
+      </p:sp>
+      <p:sp>
+        <p:nvSpPr>
+          <p:cNvPr id="11" name="椭圆 10">
+            <a:extLst>
+              <a:ext uri="{FF2B5EF4-FFF2-40B4-BE49-F238E27FC236}">
+                <a16:creationId xmlns:a16="http://schemas.microsoft.com/office/drawing/2014/main" id="{0EF92547-226B-5D43-93AC-42CE84D7D004}"/>
+              </a:ext>
+            </a:extLst>
+          </p:cNvPr>
+          <p:cNvSpPr/>
+          <p:nvPr/>
+        </p:nvSpPr>
+        <p:spPr>
+          <a:xfrm rot="18954918">
+            <a:off x="3428857" y="3167161"/>
+            <a:ext cx="436504" cy="1163007"/>
+          </a:xfrm>
+          <a:prstGeom prst="ellipse">
+            <a:avLst/>
+          </a:prstGeom>
+          <a:noFill/>
+          <a:ln>
+            <a:solidFill>
+              <a:schemeClr val="tx1"/>
+            </a:solidFill>
+          </a:ln>
+        </p:spPr>
+        <p:style>
+          <a:lnRef idx="2">
+            <a:schemeClr val="dk1"/>
+          </a:lnRef>
+          <a:fillRef idx="1">
+            <a:schemeClr val="lt1"/>
+          </a:fillRef>
+          <a:effectRef idx="0">
+            <a:schemeClr val="dk1"/>
+          </a:effectRef>
+          <a:fontRef idx="minor">
+            <a:schemeClr val="dk1"/>
+          </a:fontRef>
+        </p:style>
+        <p:txBody>
+          <a:bodyPr rtlCol="0" anchor="ctr"/>
+          <a:lstStyle/>
+          <a:p>
+            <a:pPr algn="ctr"/>
+            <a:endParaRPr kumimoji="1" lang="zh-CN" altLang="en-US"/>
+          </a:p>
+        </p:txBody>
+      </p:sp>
     </p:spTree>
     <p:extLst>
       <p:ext uri="{BB962C8B-B14F-4D97-AF65-F5344CB8AC3E}">
@@ -6539,6 +7059,173 @@
   <p:clrMapOvr>
     <a:masterClrMapping/>
   </p:clrMapOvr>
+  <p:timing>
+    <p:tnLst>
+      <p:par>
+        <p:cTn id="1" dur="indefinite" restart="never" nodeType="tmRoot">
+          <p:childTnLst>
+            <p:seq concurrent="1" nextAc="seek">
+              <p:cTn id="2" dur="indefinite" nodeType="mainSeq">
+                <p:childTnLst>
+                  <p:par>
+                    <p:cTn id="3" fill="hold">
+                      <p:stCondLst>
+                        <p:cond delay="indefinite"/>
+                      </p:stCondLst>
+                      <p:childTnLst>
+                        <p:par>
+                          <p:cTn id="4" fill="hold">
+                            <p:stCondLst>
+                              <p:cond delay="0"/>
+                            </p:stCondLst>
+                            <p:childTnLst>
+                              <p:par>
+                                <p:cTn id="5" presetID="1" presetClass="entr" presetSubtype="0" fill="hold" grpId="1" nodeType="clickEffect">
+                                  <p:stCondLst>
+                                    <p:cond delay="0"/>
+                                  </p:stCondLst>
+                                  <p:childTnLst>
+                                    <p:set>
+                                      <p:cBhvr>
+                                        <p:cTn id="6" dur="1" fill="hold">
+                                          <p:stCondLst>
+                                            <p:cond delay="0"/>
+                                          </p:stCondLst>
+                                        </p:cTn>
+                                        <p:tgtEl>
+                                          <p:spTgt spid="4"/>
+                                        </p:tgtEl>
+                                        <p:attrNameLst>
+                                          <p:attrName>style.visibility</p:attrName>
+                                        </p:attrNameLst>
+                                      </p:cBhvr>
+                                      <p:to>
+                                        <p:strVal val="visible"/>
+                                      </p:to>
+                                    </p:set>
+                                  </p:childTnLst>
+                                </p:cTn>
+                              </p:par>
+                              <p:par>
+                                <p:cTn id="7" presetID="1" presetClass="entr" presetSubtype="0" fill="hold" grpId="2" nodeType="withEffect">
+                                  <p:stCondLst>
+                                    <p:cond delay="0"/>
+                                  </p:stCondLst>
+                                  <p:childTnLst>
+                                    <p:set>
+                                      <p:cBhvr>
+                                        <p:cTn id="8" dur="1" fill="hold">
+                                          <p:stCondLst>
+                                            <p:cond delay="0"/>
+                                          </p:stCondLst>
+                                        </p:cTn>
+                                        <p:tgtEl>
+                                          <p:spTgt spid="9"/>
+                                        </p:tgtEl>
+                                        <p:attrNameLst>
+                                          <p:attrName>style.visibility</p:attrName>
+                                        </p:attrNameLst>
+                                      </p:cBhvr>
+                                      <p:to>
+                                        <p:strVal val="visible"/>
+                                      </p:to>
+                                    </p:set>
+                                  </p:childTnLst>
+                                </p:cTn>
+                              </p:par>
+                              <p:par>
+                                <p:cTn id="9" presetID="1" presetClass="entr" presetSubtype="0" fill="hold" grpId="0" nodeType="withEffect">
+                                  <p:stCondLst>
+                                    <p:cond delay="0"/>
+                                  </p:stCondLst>
+                                  <p:childTnLst>
+                                    <p:set>
+                                      <p:cBhvr>
+                                        <p:cTn id="10" dur="1" fill="hold">
+                                          <p:stCondLst>
+                                            <p:cond delay="0"/>
+                                          </p:stCondLst>
+                                        </p:cTn>
+                                        <p:tgtEl>
+                                          <p:spTgt spid="11"/>
+                                        </p:tgtEl>
+                                        <p:attrNameLst>
+                                          <p:attrName>style.visibility</p:attrName>
+                                        </p:attrNameLst>
+                                      </p:cBhvr>
+                                      <p:to>
+                                        <p:strVal val="visible"/>
+                                      </p:to>
+                                    </p:set>
+                                  </p:childTnLst>
+                                </p:cTn>
+                              </p:par>
+                              <p:par>
+                                <p:cTn id="11" presetID="1" presetClass="entr" presetSubtype="0" fill="hold" grpId="1" nodeType="withEffect">
+                                  <p:stCondLst>
+                                    <p:cond delay="0"/>
+                                  </p:stCondLst>
+                                  <p:childTnLst>
+                                    <p:set>
+                                      <p:cBhvr>
+                                        <p:cTn id="12" dur="1" fill="hold">
+                                          <p:stCondLst>
+                                            <p:cond delay="0"/>
+                                          </p:stCondLst>
+                                        </p:cTn>
+                                        <p:tgtEl>
+                                          <p:spTgt spid="10"/>
+                                        </p:tgtEl>
+                                        <p:attrNameLst>
+                                          <p:attrName>style.visibility</p:attrName>
+                                        </p:attrNameLst>
+                                      </p:cBhvr>
+                                      <p:to>
+                                        <p:strVal val="visible"/>
+                                      </p:to>
+                                    </p:set>
+                                  </p:childTnLst>
+                                </p:cTn>
+                              </p:par>
+                            </p:childTnLst>
+                          </p:cTn>
+                        </p:par>
+                      </p:childTnLst>
+                    </p:cTn>
+                  </p:par>
+                </p:childTnLst>
+              </p:cTn>
+              <p:prevCondLst>
+                <p:cond evt="onPrev" delay="0">
+                  <p:tgtEl>
+                    <p:sldTgt/>
+                  </p:tgtEl>
+                </p:cond>
+              </p:prevCondLst>
+              <p:nextCondLst>
+                <p:cond evt="onNext" delay="0">
+                  <p:tgtEl>
+                    <p:sldTgt/>
+                  </p:tgtEl>
+                </p:cond>
+              </p:nextCondLst>
+            </p:seq>
+          </p:childTnLst>
+        </p:cTn>
+      </p:par>
+    </p:tnLst>
+    <p:bldLst>
+      <p:bldP spid="4" grpId="1" animBg="1"/>
+      <p:bldP spid="9" grpId="2" animBg="1"/>
+      <p:bldP spid="10" grpId="1" animBg="1"/>
+      <p:bldP spid="11" grpId="0" animBg="1"/>
+    </p:bldLst>
+  </p:timing>
+  <p:extLst>
+    <p:ext uri="{6950BFC3-D8DA-4A85-94F7-54DA5524770B}">
+      <p188:commentRel xmlns:p188="http://schemas.microsoft.com/office/powerpoint/2018/8/main" r:id="rId3"/>
+    </p:ext>
+  </p:extLst>
 </p:sld>
 </file>
 
